--- a/docs/diagrams/UndoRedoNewCommand4StateListDiagram.pptx
+++ b/docs/diagrams/UndoRedoNewCommand4StateListDiagram.pptx
@@ -112,10 +112,6 @@
 </p:presentation>
 </file>
 
-<file path=ppt/revisionInfo.xml><?xml version="1.0" encoding="utf-8"?>
-<p1510:revInfo xmlns:a="http://schemas.openxmlformats.org/drawingml/2006/main" xmlns:r="http://schemas.openxmlformats.org/officeDocument/2006/relationships" xmlns:p1510="http://schemas.microsoft.com/office/powerpoint/2015/10/main"/>
-</file>
-
 <file path=ppt/slideLayouts/slideLayout1.xml><?xml version="1.0" encoding="utf-8"?>
 <p:sldLayout xmlns:a="http://schemas.openxmlformats.org/drawingml/2006/main" xmlns:r="http://schemas.openxmlformats.org/officeDocument/2006/relationships" xmlns:p="http://schemas.openxmlformats.org/presentationml/2006/main" type="title" preserve="1">
   <p:cSld name="Title Slide">
@@ -265,7 +261,7 @@
           <a:p>
             <a:fld id="{03EC4E3E-8101-482F-A883-8B55DAFF7C07}" type="datetimeFigureOut">
               <a:rPr lang="en-SG" smtClean="0"/>
-              <a:t>6/7/2018</a:t>
+              <a:t>11/11/2018</a:t>
             </a:fld>
             <a:endParaRPr lang="en-SG"/>
           </a:p>
@@ -465,7 +461,7 @@
           <a:p>
             <a:fld id="{03EC4E3E-8101-482F-A883-8B55DAFF7C07}" type="datetimeFigureOut">
               <a:rPr lang="en-SG" smtClean="0"/>
-              <a:t>6/7/2018</a:t>
+              <a:t>11/11/2018</a:t>
             </a:fld>
             <a:endParaRPr lang="en-SG"/>
           </a:p>
@@ -675,7 +671,7 @@
           <a:p>
             <a:fld id="{03EC4E3E-8101-482F-A883-8B55DAFF7C07}" type="datetimeFigureOut">
               <a:rPr lang="en-SG" smtClean="0"/>
-              <a:t>6/7/2018</a:t>
+              <a:t>11/11/2018</a:t>
             </a:fld>
             <a:endParaRPr lang="en-SG"/>
           </a:p>
@@ -875,7 +871,7 @@
           <a:p>
             <a:fld id="{03EC4E3E-8101-482F-A883-8B55DAFF7C07}" type="datetimeFigureOut">
               <a:rPr lang="en-SG" smtClean="0"/>
-              <a:t>6/7/2018</a:t>
+              <a:t>11/11/2018</a:t>
             </a:fld>
             <a:endParaRPr lang="en-SG"/>
           </a:p>
@@ -1151,7 +1147,7 @@
           <a:p>
             <a:fld id="{03EC4E3E-8101-482F-A883-8B55DAFF7C07}" type="datetimeFigureOut">
               <a:rPr lang="en-SG" smtClean="0"/>
-              <a:t>6/7/2018</a:t>
+              <a:t>11/11/2018</a:t>
             </a:fld>
             <a:endParaRPr lang="en-SG"/>
           </a:p>
@@ -1419,7 +1415,7 @@
           <a:p>
             <a:fld id="{03EC4E3E-8101-482F-A883-8B55DAFF7C07}" type="datetimeFigureOut">
               <a:rPr lang="en-SG" smtClean="0"/>
-              <a:t>6/7/2018</a:t>
+              <a:t>11/11/2018</a:t>
             </a:fld>
             <a:endParaRPr lang="en-SG"/>
           </a:p>
@@ -1834,7 +1830,7 @@
           <a:p>
             <a:fld id="{03EC4E3E-8101-482F-A883-8B55DAFF7C07}" type="datetimeFigureOut">
               <a:rPr lang="en-SG" smtClean="0"/>
-              <a:t>6/7/2018</a:t>
+              <a:t>11/11/2018</a:t>
             </a:fld>
             <a:endParaRPr lang="en-SG"/>
           </a:p>
@@ -1976,7 +1972,7 @@
           <a:p>
             <a:fld id="{03EC4E3E-8101-482F-A883-8B55DAFF7C07}" type="datetimeFigureOut">
               <a:rPr lang="en-SG" smtClean="0"/>
-              <a:t>6/7/2018</a:t>
+              <a:t>11/11/2018</a:t>
             </a:fld>
             <a:endParaRPr lang="en-SG"/>
           </a:p>
@@ -2089,7 +2085,7 @@
           <a:p>
             <a:fld id="{03EC4E3E-8101-482F-A883-8B55DAFF7C07}" type="datetimeFigureOut">
               <a:rPr lang="en-SG" smtClean="0"/>
-              <a:t>6/7/2018</a:t>
+              <a:t>11/11/2018</a:t>
             </a:fld>
             <a:endParaRPr lang="en-SG"/>
           </a:p>
@@ -2402,7 +2398,7 @@
           <a:p>
             <a:fld id="{03EC4E3E-8101-482F-A883-8B55DAFF7C07}" type="datetimeFigureOut">
               <a:rPr lang="en-SG" smtClean="0"/>
-              <a:t>6/7/2018</a:t>
+              <a:t>11/11/2018</a:t>
             </a:fld>
             <a:endParaRPr lang="en-SG"/>
           </a:p>
@@ -2691,7 +2687,7 @@
           <a:p>
             <a:fld id="{03EC4E3E-8101-482F-A883-8B55DAFF7C07}" type="datetimeFigureOut">
               <a:rPr lang="en-SG" smtClean="0"/>
-              <a:t>6/7/2018</a:t>
+              <a:t>11/11/2018</a:t>
             </a:fld>
             <a:endParaRPr lang="en-SG"/>
           </a:p>
@@ -2934,7 +2930,7 @@
           <a:p>
             <a:fld id="{03EC4E3E-8101-482F-A883-8B55DAFF7C07}" type="datetimeFigureOut">
               <a:rPr lang="en-SG" smtClean="0"/>
-              <a:t>6/7/2018</a:t>
+              <a:t>11/11/2018</a:t>
             </a:fld>
             <a:endParaRPr lang="en-SG"/>
           </a:p>
@@ -3409,8 +3405,8 @@
         </p:nvSpPr>
         <p:spPr>
           <a:xfrm>
-            <a:off x="8279815" y="4786631"/>
-            <a:ext cx="2346425" cy="369332"/>
+            <a:off x="8634921" y="5934439"/>
+            <a:ext cx="2346425" cy="646331"/>
           </a:xfrm>
           <a:prstGeom prst="rect">
             <a:avLst/>
@@ -3450,22 +3446,18 @@
           <a:p>
             <a:pPr algn="ctr"/>
             <a:r>
-              <a:rPr lang="en-SG"/>
-              <a:t>State ab2 </a:t>
-            </a:r>
-            <a:r>
               <a:rPr lang="en-SG" dirty="0"/>
-              <a:t>deleted.</a:t>
-            </a:r>
-          </a:p>
-        </p:txBody>
-      </p:sp>
-      <p:sp>
-        <p:nvSpPr>
-          <p:cNvPr id="17" name="TextBox 16">
-            <a:extLst>
-              <a:ext uri="{FF2B5EF4-FFF2-40B4-BE49-F238E27FC236}">
-                <a16:creationId xmlns:a16="http://schemas.microsoft.com/office/drawing/2014/main" id="{3151A13B-9509-43FA-BFEB-1D9866A00B84}"/>
+              <a:t>States wb2, td2, and tdl2 deleted.</a:t>
+            </a:r>
+          </a:p>
+        </p:txBody>
+      </p:sp>
+      <p:sp>
+        <p:nvSpPr>
+          <p:cNvPr id="20" name="TextBox 19">
+            <a:extLst>
+              <a:ext uri="{FF2B5EF4-FFF2-40B4-BE49-F238E27FC236}">
+                <a16:creationId xmlns:a16="http://schemas.microsoft.com/office/drawing/2014/main" id="{EDA95B72-06B4-41E4-B47E-30B4FF1A9E29}"/>
               </a:ext>
             </a:extLst>
           </p:cNvPr>
@@ -3474,7 +3466,7 @@
         </p:nvSpPr>
         <p:spPr>
           <a:xfrm>
-            <a:off x="1844917" y="2745771"/>
+            <a:off x="1844917" y="2730634"/>
             <a:ext cx="3207000" cy="369332"/>
           </a:xfrm>
           <a:prstGeom prst="rect">
@@ -3490,29 +3482,211 @@
           <a:p>
             <a:pPr algn="ctr"/>
             <a:r>
-              <a:rPr lang="en-SG" dirty="0" err="1">
-                <a:latin typeface="Consolas" panose="020B0609020204030204" pitchFamily="49" charset="0"/>
-              </a:rPr>
-              <a:t>currentStatePointer</a:t>
-            </a:r>
-            <a:r>
               <a:rPr lang="en-SG" dirty="0">
                 <a:latin typeface="Consolas" panose="020B0609020204030204" pitchFamily="49" charset="0"/>
               </a:rPr>
-              <a:t> = 1</a:t>
-            </a:r>
-          </a:p>
-        </p:txBody>
-      </p:sp>
-      <p:sp>
-        <p:nvSpPr>
-          <p:cNvPr id="21" name="Rectangle 20"/>
+              <a:t>currentStatePointer = 1</a:t>
+            </a:r>
+          </a:p>
+        </p:txBody>
+      </p:sp>
+      <p:cxnSp>
+        <p:nvCxnSpPr>
+          <p:cNvPr id="23" name="Straight Arrow Connector 22">
+            <a:extLst>
+              <a:ext uri="{FF2B5EF4-FFF2-40B4-BE49-F238E27FC236}">
+                <a16:creationId xmlns:a16="http://schemas.microsoft.com/office/drawing/2014/main" id="{FBBC6202-C8A6-4322-832A-7C523C9875CE}"/>
+              </a:ext>
+            </a:extLst>
+          </p:cNvPr>
+          <p:cNvCxnSpPr>
+            <a:cxnSpLocks/>
+          </p:cNvCxnSpPr>
+          <p:nvPr/>
+        </p:nvCxnSpPr>
+        <p:spPr>
+          <a:xfrm flipV="1">
+            <a:off x="3685047" y="2023761"/>
+            <a:ext cx="0" cy="706873"/>
+          </a:xfrm>
+          <a:prstGeom prst="straightConnector1">
+            <a:avLst/>
+          </a:prstGeom>
+          <a:ln>
+            <a:solidFill>
+              <a:srgbClr val="C00000"/>
+            </a:solidFill>
+            <a:tailEnd type="triangle"/>
+          </a:ln>
+        </p:spPr>
+        <p:style>
+          <a:lnRef idx="1">
+            <a:schemeClr val="accent1"/>
+          </a:lnRef>
+          <a:fillRef idx="0">
+            <a:schemeClr val="accent1"/>
+          </a:fillRef>
+          <a:effectRef idx="0">
+            <a:schemeClr val="accent1"/>
+          </a:effectRef>
+          <a:fontRef idx="minor">
+            <a:schemeClr val="tx1"/>
+          </a:fontRef>
+        </p:style>
+      </p:cxnSp>
+      <p:graphicFrame>
+        <p:nvGraphicFramePr>
+          <p:cNvPr id="24" name="Table 23">
+            <a:extLst>
+              <a:ext uri="{FF2B5EF4-FFF2-40B4-BE49-F238E27FC236}">
+                <a16:creationId xmlns:a16="http://schemas.microsoft.com/office/drawing/2014/main" id="{0B6A9198-7A08-44E8-BFF7-12E9A4328E5A}"/>
+              </a:ext>
+            </a:extLst>
+          </p:cNvPr>
+          <p:cNvGraphicFramePr>
+            <a:graphicFrameLocks noGrp="1"/>
+          </p:cNvGraphicFramePr>
+          <p:nvPr>
+            <p:extLst>
+              <p:ext uri="{D42A27DB-BD31-4B8C-83A1-F6EECF244321}">
+                <p14:modId xmlns:p14="http://schemas.microsoft.com/office/powerpoint/2010/main" val="3347395282"/>
+              </p:ext>
+            </p:extLst>
+          </p:nvPr>
+        </p:nvGraphicFramePr>
+        <p:xfrm>
+          <a:off x="495846" y="1521037"/>
+          <a:ext cx="2096326" cy="410363"/>
+        </p:xfrm>
+        <a:graphic>
+          <a:graphicData uri="http://schemas.openxmlformats.org/drawingml/2006/table">
+            <a:tbl>
+              <a:tblPr>
+                <a:tableStyleId>{638B1855-1B75-4FBE-930C-398BA8C253C6}</a:tableStyleId>
+              </a:tblPr>
+              <a:tblGrid>
+                <a:gridCol w="2096326">
+                  <a:extLst>
+                    <a:ext uri="{9D8B030D-6E8A-4147-A177-3AD203B41FA5}">
+                      <a16:colId xmlns:a16="http://schemas.microsoft.com/office/drawing/2014/main" val="4240773277"/>
+                    </a:ext>
+                  </a:extLst>
+                </a:gridCol>
+              </a:tblGrid>
+              <a:tr h="410363">
+                <a:tc>
+                  <a:txBody>
+                    <a:bodyPr/>
+                    <a:lstStyle/>
+                    <a:p>
+                      <a:pPr algn="ctr"/>
+                      <a:r>
+                        <a:rPr lang="en-SG" u="sng" dirty="0"/>
+                        <a:t>tdl0:</a:t>
+                      </a:r>
+                      <a:r>
+                        <a:rPr lang="en-SG" sz="1800" u="sng" dirty="0"/>
+                        <a:t>TrackedDataList</a:t>
+                      </a:r>
+                      <a:endParaRPr lang="en-SG" sz="1600" u="sng" dirty="0"/>
+                    </a:p>
+                  </a:txBody>
+                  <a:tcPr/>
+                </a:tc>
+                <a:extLst>
+                  <a:ext uri="{0D108BD9-81ED-4DB2-BD59-A6C34878D82A}">
+                    <a16:rowId xmlns:a16="http://schemas.microsoft.com/office/drawing/2014/main" val="2194462629"/>
+                  </a:ext>
+                </a:extLst>
+              </a:tr>
+            </a:tbl>
+          </a:graphicData>
+        </a:graphic>
+      </p:graphicFrame>
+      <p:graphicFrame>
+        <p:nvGraphicFramePr>
+          <p:cNvPr id="26" name="Table 25">
+            <a:extLst>
+              <a:ext uri="{FF2B5EF4-FFF2-40B4-BE49-F238E27FC236}">
+                <a16:creationId xmlns:a16="http://schemas.microsoft.com/office/drawing/2014/main" id="{D55EFE3B-9645-4A5E-98C4-3D521BEE9C34}"/>
+              </a:ext>
+            </a:extLst>
+          </p:cNvPr>
+          <p:cNvGraphicFramePr>
+            <a:graphicFrameLocks noGrp="1"/>
+          </p:cNvGraphicFramePr>
+          <p:nvPr>
+            <p:extLst>
+              <p:ext uri="{D42A27DB-BD31-4B8C-83A1-F6EECF244321}">
+                <p14:modId xmlns:p14="http://schemas.microsoft.com/office/powerpoint/2010/main" val="1823348535"/>
+              </p:ext>
+            </p:extLst>
+          </p:nvPr>
+        </p:nvGraphicFramePr>
+        <p:xfrm>
+          <a:off x="495846" y="858407"/>
+          <a:ext cx="2096326" cy="410363"/>
+        </p:xfrm>
+        <a:graphic>
+          <a:graphicData uri="http://schemas.openxmlformats.org/drawingml/2006/table">
+            <a:tbl>
+              <a:tblPr>
+                <a:tableStyleId>{638B1855-1B75-4FBE-930C-398BA8C253C6}</a:tableStyleId>
+              </a:tblPr>
+              <a:tblGrid>
+                <a:gridCol w="2096326">
+                  <a:extLst>
+                    <a:ext uri="{9D8B030D-6E8A-4147-A177-3AD203B41FA5}">
+                      <a16:colId xmlns:a16="http://schemas.microsoft.com/office/drawing/2014/main" val="4240773277"/>
+                    </a:ext>
+                  </a:extLst>
+                </a:gridCol>
+              </a:tblGrid>
+              <a:tr h="410363">
+                <a:tc>
+                  <a:txBody>
+                    <a:bodyPr/>
+                    <a:lstStyle/>
+                    <a:p>
+                      <a:pPr algn="ctr"/>
+                      <a:r>
+                        <a:rPr lang="en-SG" u="sng" dirty="0"/>
+                        <a:t>td0:</a:t>
+                      </a:r>
+                      <a:r>
+                        <a:rPr lang="en-SG" sz="1800" u="sng" dirty="0"/>
+                        <a:t>TrackedData</a:t>
+                      </a:r>
+                      <a:endParaRPr lang="en-SG" sz="1600" u="sng" dirty="0"/>
+                    </a:p>
+                  </a:txBody>
+                  <a:tcPr/>
+                </a:tc>
+                <a:extLst>
+                  <a:ext uri="{0D108BD9-81ED-4DB2-BD59-A6C34878D82A}">
+                    <a16:rowId xmlns:a16="http://schemas.microsoft.com/office/drawing/2014/main" val="2194462629"/>
+                  </a:ext>
+                </a:extLst>
+              </a:tr>
+            </a:tbl>
+          </a:graphicData>
+        </a:graphic>
+      </p:graphicFrame>
+      <p:sp>
+        <p:nvSpPr>
+          <p:cNvPr id="27" name="Rectangle 26">
+            <a:extLst>
+              <a:ext uri="{FF2B5EF4-FFF2-40B4-BE49-F238E27FC236}">
+                <a16:creationId xmlns:a16="http://schemas.microsoft.com/office/drawing/2014/main" id="{A5604BF5-4DC3-4A73-BB3A-28923FBECF9C}"/>
+              </a:ext>
+            </a:extLst>
+          </p:cNvPr>
           <p:cNvSpPr/>
           <p:nvPr/>
         </p:nvSpPr>
         <p:spPr>
           <a:xfrm>
-            <a:off x="364797" y="1375953"/>
+            <a:off x="387404" y="758258"/>
             <a:ext cx="11364686" cy="618187"/>
           </a:xfrm>
           <a:prstGeom prst="rect">
@@ -3550,60 +3724,91 @@
           </a:p>
         </p:txBody>
       </p:sp>
-      <p:sp>
-        <p:nvSpPr>
-          <p:cNvPr id="22" name="TextBox 21">
-            <a:extLst>
-              <a:ext uri="{FF2B5EF4-FFF2-40B4-BE49-F238E27FC236}">
-                <a16:creationId xmlns:a16="http://schemas.microsoft.com/office/drawing/2014/main" id="{3151A13B-9509-43FA-BFEB-1D9866A00B84}"/>
-              </a:ext>
-            </a:extLst>
-          </p:cNvPr>
-          <p:cNvSpPr txBox="1"/>
+      <p:graphicFrame>
+        <p:nvGraphicFramePr>
+          <p:cNvPr id="28" name="Table 27">
+            <a:extLst>
+              <a:ext uri="{FF2B5EF4-FFF2-40B4-BE49-F238E27FC236}">
+                <a16:creationId xmlns:a16="http://schemas.microsoft.com/office/drawing/2014/main" id="{BEF8852C-AC6A-4850-9E1E-EA96A1C0CA98}"/>
+              </a:ext>
+            </a:extLst>
+          </p:cNvPr>
+          <p:cNvGraphicFramePr>
+            <a:graphicFrameLocks noGrp="1"/>
+          </p:cNvGraphicFramePr>
+          <p:nvPr>
+            <p:extLst>
+              <p:ext uri="{D42A27DB-BD31-4B8C-83A1-F6EECF244321}">
+                <p14:modId xmlns:p14="http://schemas.microsoft.com/office/powerpoint/2010/main" val="3786754058"/>
+              </p:ext>
+            </p:extLst>
+          </p:nvPr>
+        </p:nvGraphicFramePr>
+        <p:xfrm>
+          <a:off x="495846" y="188235"/>
+          <a:ext cx="2096326" cy="410363"/>
+        </p:xfrm>
+        <a:graphic>
+          <a:graphicData uri="http://schemas.openxmlformats.org/drawingml/2006/table">
+            <a:tbl>
+              <a:tblPr>
+                <a:tableStyleId>{638B1855-1B75-4FBE-930C-398BA8C253C6}</a:tableStyleId>
+              </a:tblPr>
+              <a:tblGrid>
+                <a:gridCol w="2096326">
+                  <a:extLst>
+                    <a:ext uri="{9D8B030D-6E8A-4147-A177-3AD203B41FA5}">
+                      <a16:colId xmlns:a16="http://schemas.microsoft.com/office/drawing/2014/main" val="4240773277"/>
+                    </a:ext>
+                  </a:extLst>
+                </a:gridCol>
+              </a:tblGrid>
+              <a:tr h="410363">
+                <a:tc>
+                  <a:txBody>
+                    <a:bodyPr/>
+                    <a:lstStyle/>
+                    <a:p>
+                      <a:pPr algn="ctr"/>
+                      <a:r>
+                        <a:rPr lang="en-SG" u="sng" dirty="0"/>
+                        <a:t>wb0:</a:t>
+                      </a:r>
+                      <a:r>
+                        <a:rPr lang="en-SG" sz="1800" u="sng" dirty="0"/>
+                        <a:t>WorkoutBook</a:t>
+                      </a:r>
+                      <a:endParaRPr lang="en-SG" sz="1600" u="sng" dirty="0"/>
+                    </a:p>
+                  </a:txBody>
+                  <a:tcPr/>
+                </a:tc>
+                <a:extLst>
+                  <a:ext uri="{0D108BD9-81ED-4DB2-BD59-A6C34878D82A}">
+                    <a16:rowId xmlns:a16="http://schemas.microsoft.com/office/drawing/2014/main" val="2194462629"/>
+                  </a:ext>
+                </a:extLst>
+              </a:tr>
+            </a:tbl>
+          </a:graphicData>
+        </a:graphic>
+      </p:graphicFrame>
+      <p:sp>
+        <p:nvSpPr>
+          <p:cNvPr id="34" name="Rectangle 33">
+            <a:extLst>
+              <a:ext uri="{FF2B5EF4-FFF2-40B4-BE49-F238E27FC236}">
+                <a16:creationId xmlns:a16="http://schemas.microsoft.com/office/drawing/2014/main" id="{BBAC468E-1134-41DF-9DF2-2F1E01CFFA6D}"/>
+              </a:ext>
+            </a:extLst>
+          </p:cNvPr>
+          <p:cNvSpPr/>
           <p:nvPr/>
         </p:nvSpPr>
         <p:spPr>
           <a:xfrm>
-            <a:off x="3952597" y="5155963"/>
-            <a:ext cx="3207000" cy="369332"/>
-          </a:xfrm>
-          <a:prstGeom prst="rect">
-            <a:avLst/>
-          </a:prstGeom>
-          <a:noFill/>
-        </p:spPr>
-        <p:txBody>
-          <a:bodyPr wrap="square" rtlCol="0">
-            <a:spAutoFit/>
-          </a:bodyPr>
-          <a:lstStyle/>
-          <a:p>
-            <a:pPr algn="ctr"/>
-            <a:r>
-              <a:rPr lang="en-SG" dirty="0" err="1">
-                <a:latin typeface="Consolas" panose="020B0609020204030204" pitchFamily="49" charset="0"/>
-              </a:rPr>
-              <a:t>currentStatePointer</a:t>
-            </a:r>
-            <a:r>
-              <a:rPr lang="en-SG" dirty="0">
-                <a:latin typeface="Consolas" panose="020B0609020204030204" pitchFamily="49" charset="0"/>
-              </a:rPr>
-              <a:t> = 2</a:t>
-            </a:r>
-          </a:p>
-        </p:txBody>
-      </p:sp>
-      <p:sp>
-        <p:nvSpPr>
-          <p:cNvPr id="25" name="Rectangle 24"/>
-          <p:cNvSpPr/>
-          <p:nvPr/>
-        </p:nvSpPr>
-        <p:spPr>
-          <a:xfrm>
-            <a:off x="387404" y="3838574"/>
-            <a:ext cx="11364686" cy="593918"/>
+            <a:off x="387404" y="88086"/>
+            <a:ext cx="11364686" cy="618187"/>
           </a:xfrm>
           <a:prstGeom prst="rect">
             <a:avLst/>
@@ -3642,10 +3847,10 @@
       </p:sp>
       <p:graphicFrame>
         <p:nvGraphicFramePr>
-          <p:cNvPr id="16" name="Table 15">
-            <a:extLst>
-              <a:ext uri="{FF2B5EF4-FFF2-40B4-BE49-F238E27FC236}">
-                <a16:creationId xmlns:a16="http://schemas.microsoft.com/office/drawing/2014/main" id="{F545FAB8-F1CE-4886-9BDE-E772BCB0A9C4}"/>
+          <p:cNvPr id="35" name="Table 34">
+            <a:extLst>
+              <a:ext uri="{FF2B5EF4-FFF2-40B4-BE49-F238E27FC236}">
+                <a16:creationId xmlns:a16="http://schemas.microsoft.com/office/drawing/2014/main" id="{54659FD7-3249-4D96-984F-71523F55C4B5}"/>
               </a:ext>
             </a:extLst>
           </p:cNvPr>
@@ -3655,14 +3860,14 @@
           <p:nvPr>
             <p:extLst>
               <p:ext uri="{D42A27DB-BD31-4B8C-83A1-F6EECF244321}">
-                <p14:modId xmlns:p14="http://schemas.microsoft.com/office/powerpoint/2010/main" val="1352982134"/>
+                <p14:modId xmlns:p14="http://schemas.microsoft.com/office/powerpoint/2010/main" val="646638744"/>
               </p:ext>
             </p:extLst>
           </p:nvPr>
         </p:nvGraphicFramePr>
         <p:xfrm>
-          <a:off x="473240" y="1476102"/>
-          <a:ext cx="1825824" cy="417888"/>
+          <a:off x="2700614" y="1521037"/>
+          <a:ext cx="2096326" cy="410363"/>
         </p:xfrm>
         <a:graphic>
           <a:graphicData uri="http://schemas.openxmlformats.org/drawingml/2006/table">
@@ -3671,7 +3876,7 @@
                 <a:tableStyleId>{638B1855-1B75-4FBE-930C-398BA8C253C6}</a:tableStyleId>
               </a:tblPr>
               <a:tblGrid>
-                <a:gridCol w="1825824">
+                <a:gridCol w="2096326">
                   <a:extLst>
                     <a:ext uri="{9D8B030D-6E8A-4147-A177-3AD203B41FA5}">
                       <a16:colId xmlns:a16="http://schemas.microsoft.com/office/drawing/2014/main" val="4240773277"/>
@@ -3679,21 +3884,22 @@
                   </a:extLst>
                 </a:gridCol>
               </a:tblGrid>
-              <a:tr h="417888">
+              <a:tr h="410363">
                 <a:tc>
                   <a:txBody>
                     <a:bodyPr/>
                     <a:lstStyle/>
                     <a:p>
+                      <a:pPr algn="ctr"/>
                       <a:r>
                         <a:rPr lang="en-SG" u="sng" dirty="0"/>
-                        <a:t>ab0:</a:t>
+                        <a:t>tdl1:</a:t>
                       </a:r>
                       <a:r>
                         <a:rPr lang="en-SG" sz="1800" u="sng" dirty="0"/>
-                        <a:t>AddressBook</a:t>
+                        <a:t>TrackedDataList</a:t>
                       </a:r>
-                      <a:endParaRPr lang="en-SG" u="sng" dirty="0"/>
+                      <a:endParaRPr lang="en-SG" sz="1600" u="sng" dirty="0"/>
                     </a:p>
                   </a:txBody>
                   <a:tcPr/>
@@ -3710,10 +3916,10 @@
       </p:graphicFrame>
       <p:graphicFrame>
         <p:nvGraphicFramePr>
-          <p:cNvPr id="29" name="Table 28">
-            <a:extLst>
-              <a:ext uri="{FF2B5EF4-FFF2-40B4-BE49-F238E27FC236}">
-                <a16:creationId xmlns:a16="http://schemas.microsoft.com/office/drawing/2014/main" id="{F545FAB8-F1CE-4886-9BDE-E772BCB0A9C4}"/>
+          <p:cNvPr id="36" name="Table 35">
+            <a:extLst>
+              <a:ext uri="{FF2B5EF4-FFF2-40B4-BE49-F238E27FC236}">
+                <a16:creationId xmlns:a16="http://schemas.microsoft.com/office/drawing/2014/main" id="{93250A47-3073-490F-9EC7-EED28AD05CB8}"/>
               </a:ext>
             </a:extLst>
           </p:cNvPr>
@@ -3723,14 +3929,14 @@
           <p:nvPr>
             <p:extLst>
               <p:ext uri="{D42A27DB-BD31-4B8C-83A1-F6EECF244321}">
-                <p14:modId xmlns:p14="http://schemas.microsoft.com/office/powerpoint/2010/main" val="829193732"/>
+                <p14:modId xmlns:p14="http://schemas.microsoft.com/office/powerpoint/2010/main" val="4111696656"/>
               </p:ext>
             </p:extLst>
           </p:nvPr>
         </p:nvGraphicFramePr>
         <p:xfrm>
-          <a:off x="2440458" y="1476102"/>
-          <a:ext cx="1825824" cy="417888"/>
+          <a:off x="2700614" y="858407"/>
+          <a:ext cx="2096326" cy="410363"/>
         </p:xfrm>
         <a:graphic>
           <a:graphicData uri="http://schemas.openxmlformats.org/drawingml/2006/table">
@@ -3739,7 +3945,7 @@
                 <a:tableStyleId>{638B1855-1B75-4FBE-930C-398BA8C253C6}</a:tableStyleId>
               </a:tblPr>
               <a:tblGrid>
-                <a:gridCol w="1825824">
+                <a:gridCol w="2096326">
                   <a:extLst>
                     <a:ext uri="{9D8B030D-6E8A-4147-A177-3AD203B41FA5}">
                       <a16:colId xmlns:a16="http://schemas.microsoft.com/office/drawing/2014/main" val="4240773277"/>
@@ -3747,21 +3953,22 @@
                   </a:extLst>
                 </a:gridCol>
               </a:tblGrid>
-              <a:tr h="417888">
+              <a:tr h="410363">
                 <a:tc>
                   <a:txBody>
                     <a:bodyPr/>
                     <a:lstStyle/>
                     <a:p>
+                      <a:pPr algn="ctr"/>
                       <a:r>
                         <a:rPr lang="en-SG" u="sng" dirty="0"/>
-                        <a:t>ab1:</a:t>
+                        <a:t>td1:</a:t>
                       </a:r>
                       <a:r>
                         <a:rPr lang="en-SG" sz="1800" u="sng" dirty="0"/>
-                        <a:t>AddressBook</a:t>
+                        <a:t>TrackedData</a:t>
                       </a:r>
-                      <a:endParaRPr lang="en-SG" u="sng" dirty="0"/>
+                      <a:endParaRPr lang="en-SG" sz="1600" u="sng" dirty="0"/>
                     </a:p>
                   </a:txBody>
                   <a:tcPr/>
@@ -3778,10 +3985,10 @@
       </p:graphicFrame>
       <p:graphicFrame>
         <p:nvGraphicFramePr>
-          <p:cNvPr id="30" name="Table 29">
-            <a:extLst>
-              <a:ext uri="{FF2B5EF4-FFF2-40B4-BE49-F238E27FC236}">
-                <a16:creationId xmlns:a16="http://schemas.microsoft.com/office/drawing/2014/main" id="{F545FAB8-F1CE-4886-9BDE-E772BCB0A9C4}"/>
+          <p:cNvPr id="37" name="Table 36">
+            <a:extLst>
+              <a:ext uri="{FF2B5EF4-FFF2-40B4-BE49-F238E27FC236}">
+                <a16:creationId xmlns:a16="http://schemas.microsoft.com/office/drawing/2014/main" id="{86052725-034A-45AC-A0C1-F2DDDCC4775F}"/>
               </a:ext>
             </a:extLst>
           </p:cNvPr>
@@ -3791,14 +3998,14 @@
           <p:nvPr>
             <p:extLst>
               <p:ext uri="{D42A27DB-BD31-4B8C-83A1-F6EECF244321}">
-                <p14:modId xmlns:p14="http://schemas.microsoft.com/office/powerpoint/2010/main" val="796708048"/>
+                <p14:modId xmlns:p14="http://schemas.microsoft.com/office/powerpoint/2010/main" val="3123295820"/>
               </p:ext>
             </p:extLst>
           </p:nvPr>
         </p:nvGraphicFramePr>
         <p:xfrm>
-          <a:off x="4409785" y="1476102"/>
-          <a:ext cx="1825824" cy="417888"/>
+          <a:off x="2700614" y="188235"/>
+          <a:ext cx="2096326" cy="410363"/>
         </p:xfrm>
         <a:graphic>
           <a:graphicData uri="http://schemas.openxmlformats.org/drawingml/2006/table">
@@ -3807,7 +4014,7 @@
                 <a:tableStyleId>{638B1855-1B75-4FBE-930C-398BA8C253C6}</a:tableStyleId>
               </a:tblPr>
               <a:tblGrid>
-                <a:gridCol w="1825824">
+                <a:gridCol w="2096326">
                   <a:extLst>
                     <a:ext uri="{9D8B030D-6E8A-4147-A177-3AD203B41FA5}">
                       <a16:colId xmlns:a16="http://schemas.microsoft.com/office/drawing/2014/main" val="4240773277"/>
@@ -3815,21 +4022,22 @@
                   </a:extLst>
                 </a:gridCol>
               </a:tblGrid>
-              <a:tr h="417888">
+              <a:tr h="410363">
                 <a:tc>
                   <a:txBody>
                     <a:bodyPr/>
                     <a:lstStyle/>
                     <a:p>
+                      <a:pPr algn="ctr"/>
                       <a:r>
                         <a:rPr lang="en-SG" u="sng" dirty="0"/>
-                        <a:t>ab2:</a:t>
+                        <a:t>wb1:</a:t>
                       </a:r>
                       <a:r>
                         <a:rPr lang="en-SG" sz="1800" u="sng" dirty="0"/>
-                        <a:t>AddressBook</a:t>
+                        <a:t>WorkoutBook</a:t>
                       </a:r>
-                      <a:endParaRPr lang="en-SG" u="sng" dirty="0"/>
+                      <a:endParaRPr lang="en-SG" sz="1600" u="sng" dirty="0"/>
                     </a:p>
                   </a:txBody>
                   <a:tcPr/>
@@ -3846,10 +4054,10 @@
       </p:graphicFrame>
       <p:graphicFrame>
         <p:nvGraphicFramePr>
-          <p:cNvPr id="31" name="Table 30">
-            <a:extLst>
-              <a:ext uri="{FF2B5EF4-FFF2-40B4-BE49-F238E27FC236}">
-                <a16:creationId xmlns:a16="http://schemas.microsoft.com/office/drawing/2014/main" id="{F545FAB8-F1CE-4886-9BDE-E772BCB0A9C4}"/>
+          <p:cNvPr id="38" name="Table 37">
+            <a:extLst>
+              <a:ext uri="{FF2B5EF4-FFF2-40B4-BE49-F238E27FC236}">
+                <a16:creationId xmlns:a16="http://schemas.microsoft.com/office/drawing/2014/main" id="{67B83782-3BF9-495E-8C8B-CE98CB7EEF65}"/>
               </a:ext>
             </a:extLst>
           </p:cNvPr>
@@ -3859,14 +4067,14 @@
           <p:nvPr>
             <p:extLst>
               <p:ext uri="{D42A27DB-BD31-4B8C-83A1-F6EECF244321}">
-                <p14:modId xmlns:p14="http://schemas.microsoft.com/office/powerpoint/2010/main" val="377617300"/>
+                <p14:modId xmlns:p14="http://schemas.microsoft.com/office/powerpoint/2010/main" val="3736205548"/>
               </p:ext>
             </p:extLst>
           </p:nvPr>
         </p:nvGraphicFramePr>
         <p:xfrm>
-          <a:off x="473240" y="3919947"/>
-          <a:ext cx="1825824" cy="417888"/>
+          <a:off x="4894883" y="1522516"/>
+          <a:ext cx="2096326" cy="410363"/>
         </p:xfrm>
         <a:graphic>
           <a:graphicData uri="http://schemas.openxmlformats.org/drawingml/2006/table">
@@ -3875,7 +4083,7 @@
                 <a:tableStyleId>{638B1855-1B75-4FBE-930C-398BA8C253C6}</a:tableStyleId>
               </a:tblPr>
               <a:tblGrid>
-                <a:gridCol w="1825824">
+                <a:gridCol w="2096326">
                   <a:extLst>
                     <a:ext uri="{9D8B030D-6E8A-4147-A177-3AD203B41FA5}">
                       <a16:colId xmlns:a16="http://schemas.microsoft.com/office/drawing/2014/main" val="4240773277"/>
@@ -3883,21 +4091,22 @@
                   </a:extLst>
                 </a:gridCol>
               </a:tblGrid>
-              <a:tr h="417888">
+              <a:tr h="410363">
                 <a:tc>
                   <a:txBody>
                     <a:bodyPr/>
                     <a:lstStyle/>
                     <a:p>
+                      <a:pPr algn="ctr"/>
                       <a:r>
                         <a:rPr lang="en-SG" u="sng" dirty="0"/>
-                        <a:t>ab0:</a:t>
+                        <a:t>tdl2:</a:t>
                       </a:r>
                       <a:r>
                         <a:rPr lang="en-SG" sz="1800" u="sng" dirty="0"/>
-                        <a:t>AddressBook</a:t>
+                        <a:t>TrackedDataList</a:t>
                       </a:r>
-                      <a:endParaRPr lang="en-SG" u="sng" dirty="0"/>
+                      <a:endParaRPr lang="en-SG" sz="1600" u="sng" dirty="0"/>
                     </a:p>
                   </a:txBody>
                   <a:tcPr/>
@@ -3914,10 +4123,10 @@
       </p:graphicFrame>
       <p:graphicFrame>
         <p:nvGraphicFramePr>
-          <p:cNvPr id="32" name="Table 31">
-            <a:extLst>
-              <a:ext uri="{FF2B5EF4-FFF2-40B4-BE49-F238E27FC236}">
-                <a16:creationId xmlns:a16="http://schemas.microsoft.com/office/drawing/2014/main" id="{F545FAB8-F1CE-4886-9BDE-E772BCB0A9C4}"/>
+          <p:cNvPr id="39" name="Table 38">
+            <a:extLst>
+              <a:ext uri="{FF2B5EF4-FFF2-40B4-BE49-F238E27FC236}">
+                <a16:creationId xmlns:a16="http://schemas.microsoft.com/office/drawing/2014/main" id="{29821B0D-B465-4D4A-9EA3-308B8F034702}"/>
               </a:ext>
             </a:extLst>
           </p:cNvPr>
@@ -3927,14 +4136,14 @@
           <p:nvPr>
             <p:extLst>
               <p:ext uri="{D42A27DB-BD31-4B8C-83A1-F6EECF244321}">
-                <p14:modId xmlns:p14="http://schemas.microsoft.com/office/powerpoint/2010/main" val="4076322253"/>
+                <p14:modId xmlns:p14="http://schemas.microsoft.com/office/powerpoint/2010/main" val="2756470742"/>
               </p:ext>
             </p:extLst>
           </p:nvPr>
         </p:nvGraphicFramePr>
         <p:xfrm>
-          <a:off x="2440458" y="3919947"/>
-          <a:ext cx="1825824" cy="417888"/>
+          <a:off x="4894883" y="859886"/>
+          <a:ext cx="2096326" cy="410363"/>
         </p:xfrm>
         <a:graphic>
           <a:graphicData uri="http://schemas.openxmlformats.org/drawingml/2006/table">
@@ -3943,7 +4152,7 @@
                 <a:tableStyleId>{638B1855-1B75-4FBE-930C-398BA8C253C6}</a:tableStyleId>
               </a:tblPr>
               <a:tblGrid>
-                <a:gridCol w="1825824">
+                <a:gridCol w="2096326">
                   <a:extLst>
                     <a:ext uri="{9D8B030D-6E8A-4147-A177-3AD203B41FA5}">
                       <a16:colId xmlns:a16="http://schemas.microsoft.com/office/drawing/2014/main" val="4240773277"/>
@@ -3951,21 +4160,22 @@
                   </a:extLst>
                 </a:gridCol>
               </a:tblGrid>
-              <a:tr h="417888">
+              <a:tr h="410363">
                 <a:tc>
                   <a:txBody>
                     <a:bodyPr/>
                     <a:lstStyle/>
                     <a:p>
+                      <a:pPr algn="ctr"/>
                       <a:r>
                         <a:rPr lang="en-SG" u="sng" dirty="0"/>
-                        <a:t>ab1:</a:t>
+                        <a:t>td2:</a:t>
                       </a:r>
                       <a:r>
                         <a:rPr lang="en-SG" sz="1800" u="sng" dirty="0"/>
-                        <a:t>AddressBook</a:t>
+                        <a:t>TrackedData</a:t>
                       </a:r>
-                      <a:endParaRPr lang="en-SG" u="sng" dirty="0"/>
+                      <a:endParaRPr lang="en-SG" sz="1600" u="sng" dirty="0"/>
                     </a:p>
                   </a:txBody>
                   <a:tcPr/>
@@ -3982,10 +4192,10 @@
       </p:graphicFrame>
       <p:graphicFrame>
         <p:nvGraphicFramePr>
-          <p:cNvPr id="33" name="Table 32">
-            <a:extLst>
-              <a:ext uri="{FF2B5EF4-FFF2-40B4-BE49-F238E27FC236}">
-                <a16:creationId xmlns:a16="http://schemas.microsoft.com/office/drawing/2014/main" id="{F545FAB8-F1CE-4886-9BDE-E772BCB0A9C4}"/>
+          <p:cNvPr id="40" name="Table 39">
+            <a:extLst>
+              <a:ext uri="{FF2B5EF4-FFF2-40B4-BE49-F238E27FC236}">
+                <a16:creationId xmlns:a16="http://schemas.microsoft.com/office/drawing/2014/main" id="{2F0728ED-B011-418C-919F-98ED23B14433}"/>
               </a:ext>
             </a:extLst>
           </p:cNvPr>
@@ -3995,14 +4205,14 @@
           <p:nvPr>
             <p:extLst>
               <p:ext uri="{D42A27DB-BD31-4B8C-83A1-F6EECF244321}">
-                <p14:modId xmlns:p14="http://schemas.microsoft.com/office/powerpoint/2010/main" val="53411958"/>
+                <p14:modId xmlns:p14="http://schemas.microsoft.com/office/powerpoint/2010/main" val="4198302126"/>
               </p:ext>
             </p:extLst>
           </p:nvPr>
         </p:nvGraphicFramePr>
         <p:xfrm>
-          <a:off x="4409785" y="3919947"/>
-          <a:ext cx="1825824" cy="417888"/>
+          <a:off x="4894883" y="189714"/>
+          <a:ext cx="2096326" cy="410363"/>
         </p:xfrm>
         <a:graphic>
           <a:graphicData uri="http://schemas.openxmlformats.org/drawingml/2006/table">
@@ -4011,7 +4221,7 @@
                 <a:tableStyleId>{638B1855-1B75-4FBE-930C-398BA8C253C6}</a:tableStyleId>
               </a:tblPr>
               <a:tblGrid>
-                <a:gridCol w="1825824">
+                <a:gridCol w="2096326">
                   <a:extLst>
                     <a:ext uri="{9D8B030D-6E8A-4147-A177-3AD203B41FA5}">
                       <a16:colId xmlns:a16="http://schemas.microsoft.com/office/drawing/2014/main" val="4240773277"/>
@@ -4019,21 +4229,22 @@
                   </a:extLst>
                 </a:gridCol>
               </a:tblGrid>
-              <a:tr h="417888">
+              <a:tr h="410363">
                 <a:tc>
                   <a:txBody>
                     <a:bodyPr/>
                     <a:lstStyle/>
                     <a:p>
+                      <a:pPr algn="ctr"/>
                       <a:r>
                         <a:rPr lang="en-SG" u="sng" dirty="0"/>
-                        <a:t>ab3:</a:t>
+                        <a:t>wb2:</a:t>
                       </a:r>
                       <a:r>
                         <a:rPr lang="en-SG" sz="1800" u="sng" dirty="0"/>
-                        <a:t>AddressBook</a:t>
+                        <a:t>WorkoutBook</a:t>
                       </a:r>
-                      <a:endParaRPr lang="en-SG" u="sng" dirty="0"/>
+                      <a:endParaRPr lang="en-SG" sz="1600" u="sng" dirty="0"/>
                     </a:p>
                   </a:txBody>
                   <a:tcPr/>
@@ -4048,12 +4259,102 @@
           </a:graphicData>
         </a:graphic>
       </p:graphicFrame>
+      <p:sp>
+        <p:nvSpPr>
+          <p:cNvPr id="41" name="Rectangle 40">
+            <a:extLst>
+              <a:ext uri="{FF2B5EF4-FFF2-40B4-BE49-F238E27FC236}">
+                <a16:creationId xmlns:a16="http://schemas.microsoft.com/office/drawing/2014/main" id="{13964B94-58BD-4508-ADC9-5C160901EC7B}"/>
+              </a:ext>
+            </a:extLst>
+          </p:cNvPr>
+          <p:cNvSpPr/>
+          <p:nvPr/>
+        </p:nvSpPr>
+        <p:spPr>
+          <a:xfrm>
+            <a:off x="387404" y="1427049"/>
+            <a:ext cx="11364686" cy="618187"/>
+          </a:xfrm>
+          <a:prstGeom prst="rect">
+            <a:avLst/>
+          </a:prstGeom>
+          <a:noFill/>
+          <a:ln>
+            <a:solidFill>
+              <a:schemeClr val="tx1"/>
+            </a:solidFill>
+          </a:ln>
+        </p:spPr>
+        <p:style>
+          <a:lnRef idx="2">
+            <a:schemeClr val="accent1">
+              <a:shade val="50000"/>
+            </a:schemeClr>
+          </a:lnRef>
+          <a:fillRef idx="1">
+            <a:schemeClr val="accent1"/>
+          </a:fillRef>
+          <a:effectRef idx="0">
+            <a:schemeClr val="accent1"/>
+          </a:effectRef>
+          <a:fontRef idx="minor">
+            <a:schemeClr val="lt1"/>
+          </a:fontRef>
+        </p:style>
+        <p:txBody>
+          <a:bodyPr rtlCol="0" anchor="ctr"/>
+          <a:lstStyle/>
+          <a:p>
+            <a:pPr algn="ctr"/>
+            <a:endParaRPr lang="en-US"/>
+          </a:p>
+        </p:txBody>
+      </p:sp>
+      <p:sp>
+        <p:nvSpPr>
+          <p:cNvPr id="42" name="TextBox 41">
+            <a:extLst>
+              <a:ext uri="{FF2B5EF4-FFF2-40B4-BE49-F238E27FC236}">
+                <a16:creationId xmlns:a16="http://schemas.microsoft.com/office/drawing/2014/main" id="{C3BF1D6E-CE9F-4A72-8614-1304EB3A0521}"/>
+              </a:ext>
+            </a:extLst>
+          </p:cNvPr>
+          <p:cNvSpPr txBox="1"/>
+          <p:nvPr/>
+        </p:nvSpPr>
+        <p:spPr>
+          <a:xfrm>
+            <a:off x="4117600" y="6488668"/>
+            <a:ext cx="3207000" cy="369332"/>
+          </a:xfrm>
+          <a:prstGeom prst="rect">
+            <a:avLst/>
+          </a:prstGeom>
+          <a:noFill/>
+        </p:spPr>
+        <p:txBody>
+          <a:bodyPr wrap="square" rtlCol="0">
+            <a:spAutoFit/>
+          </a:bodyPr>
+          <a:lstStyle/>
+          <a:p>
+            <a:pPr algn="ctr"/>
+            <a:r>
+              <a:rPr lang="en-SG" dirty="0">
+                <a:latin typeface="Consolas" panose="020B0609020204030204" pitchFamily="49" charset="0"/>
+              </a:rPr>
+              <a:t>currentStatePointer = 2</a:t>
+            </a:r>
+          </a:p>
+        </p:txBody>
+      </p:sp>
       <p:cxnSp>
         <p:nvCxnSpPr>
-          <p:cNvPr id="18" name="Straight Arrow Connector 17">
-            <a:extLst>
-              <a:ext uri="{FF2B5EF4-FFF2-40B4-BE49-F238E27FC236}">
-                <a16:creationId xmlns:a16="http://schemas.microsoft.com/office/drawing/2014/main" id="{BFC3A12D-3AD3-425B-8A3B-315B6DC01D05}"/>
+          <p:cNvPr id="43" name="Straight Arrow Connector 42">
+            <a:extLst>
+              <a:ext uri="{FF2B5EF4-FFF2-40B4-BE49-F238E27FC236}">
+                <a16:creationId xmlns:a16="http://schemas.microsoft.com/office/drawing/2014/main" id="{DCADA251-0507-4952-9DAD-59E32C96E432}"/>
               </a:ext>
             </a:extLst>
           </p:cNvPr>
@@ -4064,7 +4365,7 @@
         </p:nvCxnSpPr>
         <p:spPr>
           <a:xfrm flipV="1">
-            <a:off x="3338818" y="2038898"/>
+            <a:off x="5957730" y="5781795"/>
             <a:ext cx="0" cy="706873"/>
           </a:xfrm>
           <a:prstGeom prst="straightConnector1">
@@ -4092,50 +4393,783 @@
           </a:fontRef>
         </p:style>
       </p:cxnSp>
-      <p:cxnSp>
-        <p:nvCxnSpPr>
-          <p:cNvPr id="19" name="Straight Arrow Connector 18">
-            <a:extLst>
-              <a:ext uri="{FF2B5EF4-FFF2-40B4-BE49-F238E27FC236}">
-                <a16:creationId xmlns:a16="http://schemas.microsoft.com/office/drawing/2014/main" id="{A3B5C47A-9640-4A49-B463-8F5196CF2A09}"/>
-              </a:ext>
-            </a:extLst>
-          </p:cNvPr>
-          <p:cNvCxnSpPr>
-            <a:cxnSpLocks/>
-          </p:cNvCxnSpPr>
+      <p:graphicFrame>
+        <p:nvGraphicFramePr>
+          <p:cNvPr id="44" name="Table 43">
+            <a:extLst>
+              <a:ext uri="{FF2B5EF4-FFF2-40B4-BE49-F238E27FC236}">
+                <a16:creationId xmlns:a16="http://schemas.microsoft.com/office/drawing/2014/main" id="{F3722EBD-8D7F-4E1B-914B-ADA724CB8FA2}"/>
+              </a:ext>
+            </a:extLst>
+          </p:cNvPr>
+          <p:cNvGraphicFramePr>
+            <a:graphicFrameLocks noGrp="1"/>
+          </p:cNvGraphicFramePr>
+          <p:nvPr>
+            <p:extLst>
+              <p:ext uri="{D42A27DB-BD31-4B8C-83A1-F6EECF244321}">
+                <p14:modId xmlns:p14="http://schemas.microsoft.com/office/powerpoint/2010/main" val="3113772483"/>
+              </p:ext>
+            </p:extLst>
+          </p:nvPr>
+        </p:nvGraphicFramePr>
+        <p:xfrm>
+          <a:off x="495846" y="5275278"/>
+          <a:ext cx="2096326" cy="410363"/>
+        </p:xfrm>
+        <a:graphic>
+          <a:graphicData uri="http://schemas.openxmlformats.org/drawingml/2006/table">
+            <a:tbl>
+              <a:tblPr>
+                <a:tableStyleId>{638B1855-1B75-4FBE-930C-398BA8C253C6}</a:tableStyleId>
+              </a:tblPr>
+              <a:tblGrid>
+                <a:gridCol w="2096326">
+                  <a:extLst>
+                    <a:ext uri="{9D8B030D-6E8A-4147-A177-3AD203B41FA5}">
+                      <a16:colId xmlns:a16="http://schemas.microsoft.com/office/drawing/2014/main" val="4240773277"/>
+                    </a:ext>
+                  </a:extLst>
+                </a:gridCol>
+              </a:tblGrid>
+              <a:tr h="410363">
+                <a:tc>
+                  <a:txBody>
+                    <a:bodyPr/>
+                    <a:lstStyle/>
+                    <a:p>
+                      <a:pPr algn="ctr"/>
+                      <a:r>
+                        <a:rPr lang="en-SG" u="sng" dirty="0"/>
+                        <a:t>tdl0:</a:t>
+                      </a:r>
+                      <a:r>
+                        <a:rPr lang="en-SG" sz="1800" u="sng" dirty="0"/>
+                        <a:t>TrackedDataList</a:t>
+                      </a:r>
+                      <a:endParaRPr lang="en-SG" sz="1600" u="sng" dirty="0"/>
+                    </a:p>
+                  </a:txBody>
+                  <a:tcPr/>
+                </a:tc>
+                <a:extLst>
+                  <a:ext uri="{0D108BD9-81ED-4DB2-BD59-A6C34878D82A}">
+                    <a16:rowId xmlns:a16="http://schemas.microsoft.com/office/drawing/2014/main" val="2194462629"/>
+                  </a:ext>
+                </a:extLst>
+              </a:tr>
+            </a:tbl>
+          </a:graphicData>
+        </a:graphic>
+      </p:graphicFrame>
+      <p:graphicFrame>
+        <p:nvGraphicFramePr>
+          <p:cNvPr id="45" name="Table 44">
+            <a:extLst>
+              <a:ext uri="{FF2B5EF4-FFF2-40B4-BE49-F238E27FC236}">
+                <a16:creationId xmlns:a16="http://schemas.microsoft.com/office/drawing/2014/main" id="{D18FBB6A-9844-4BB5-98D1-999593150F6A}"/>
+              </a:ext>
+            </a:extLst>
+          </p:cNvPr>
+          <p:cNvGraphicFramePr>
+            <a:graphicFrameLocks noGrp="1"/>
+          </p:cNvGraphicFramePr>
+          <p:nvPr>
+            <p:extLst>
+              <p:ext uri="{D42A27DB-BD31-4B8C-83A1-F6EECF244321}">
+                <p14:modId xmlns:p14="http://schemas.microsoft.com/office/powerpoint/2010/main" val="3923274681"/>
+              </p:ext>
+            </p:extLst>
+          </p:nvPr>
+        </p:nvGraphicFramePr>
+        <p:xfrm>
+          <a:off x="495846" y="4612648"/>
+          <a:ext cx="2096326" cy="410363"/>
+        </p:xfrm>
+        <a:graphic>
+          <a:graphicData uri="http://schemas.openxmlformats.org/drawingml/2006/table">
+            <a:tbl>
+              <a:tblPr>
+                <a:tableStyleId>{638B1855-1B75-4FBE-930C-398BA8C253C6}</a:tableStyleId>
+              </a:tblPr>
+              <a:tblGrid>
+                <a:gridCol w="2096326">
+                  <a:extLst>
+                    <a:ext uri="{9D8B030D-6E8A-4147-A177-3AD203B41FA5}">
+                      <a16:colId xmlns:a16="http://schemas.microsoft.com/office/drawing/2014/main" val="4240773277"/>
+                    </a:ext>
+                  </a:extLst>
+                </a:gridCol>
+              </a:tblGrid>
+              <a:tr h="410363">
+                <a:tc>
+                  <a:txBody>
+                    <a:bodyPr/>
+                    <a:lstStyle/>
+                    <a:p>
+                      <a:pPr algn="ctr"/>
+                      <a:r>
+                        <a:rPr lang="en-SG" u="sng" dirty="0"/>
+                        <a:t>td0:</a:t>
+                      </a:r>
+                      <a:r>
+                        <a:rPr lang="en-SG" sz="1800" u="sng" dirty="0"/>
+                        <a:t>TrackedData</a:t>
+                      </a:r>
+                      <a:endParaRPr lang="en-SG" sz="1600" u="sng" dirty="0"/>
+                    </a:p>
+                  </a:txBody>
+                  <a:tcPr/>
+                </a:tc>
+                <a:extLst>
+                  <a:ext uri="{0D108BD9-81ED-4DB2-BD59-A6C34878D82A}">
+                    <a16:rowId xmlns:a16="http://schemas.microsoft.com/office/drawing/2014/main" val="2194462629"/>
+                  </a:ext>
+                </a:extLst>
+              </a:tr>
+            </a:tbl>
+          </a:graphicData>
+        </a:graphic>
+      </p:graphicFrame>
+      <p:sp>
+        <p:nvSpPr>
+          <p:cNvPr id="46" name="Rectangle 45">
+            <a:extLst>
+              <a:ext uri="{FF2B5EF4-FFF2-40B4-BE49-F238E27FC236}">
+                <a16:creationId xmlns:a16="http://schemas.microsoft.com/office/drawing/2014/main" id="{D89C49F4-0C70-4B3F-B75C-844307F2180F}"/>
+              </a:ext>
+            </a:extLst>
+          </p:cNvPr>
+          <p:cNvSpPr/>
           <p:nvPr/>
-        </p:nvCxnSpPr>
+        </p:nvSpPr>
         <p:spPr>
-          <a:xfrm flipV="1">
-            <a:off x="5385732" y="4471595"/>
-            <a:ext cx="0" cy="706873"/>
+          <a:xfrm>
+            <a:off x="387404" y="4512499"/>
+            <a:ext cx="11364686" cy="618187"/>
           </a:xfrm>
-          <a:prstGeom prst="straightConnector1">
+          <a:prstGeom prst="rect">
             <a:avLst/>
           </a:prstGeom>
+          <a:noFill/>
           <a:ln>
             <a:solidFill>
-              <a:srgbClr val="C00000"/>
+              <a:schemeClr val="tx1"/>
             </a:solidFill>
-            <a:tailEnd type="triangle"/>
           </a:ln>
         </p:spPr>
         <p:style>
-          <a:lnRef idx="1">
-            <a:schemeClr val="accent1"/>
+          <a:lnRef idx="2">
+            <a:schemeClr val="accent1">
+              <a:shade val="50000"/>
+            </a:schemeClr>
           </a:lnRef>
-          <a:fillRef idx="0">
+          <a:fillRef idx="1">
             <a:schemeClr val="accent1"/>
           </a:fillRef>
           <a:effectRef idx="0">
             <a:schemeClr val="accent1"/>
           </a:effectRef>
           <a:fontRef idx="minor">
-            <a:schemeClr val="tx1"/>
+            <a:schemeClr val="lt1"/>
           </a:fontRef>
         </p:style>
-      </p:cxnSp>
+        <p:txBody>
+          <a:bodyPr rtlCol="0" anchor="ctr"/>
+          <a:lstStyle/>
+          <a:p>
+            <a:pPr algn="ctr"/>
+            <a:endParaRPr lang="en-US"/>
+          </a:p>
+        </p:txBody>
+      </p:sp>
+      <p:graphicFrame>
+        <p:nvGraphicFramePr>
+          <p:cNvPr id="47" name="Table 46">
+            <a:extLst>
+              <a:ext uri="{FF2B5EF4-FFF2-40B4-BE49-F238E27FC236}">
+                <a16:creationId xmlns:a16="http://schemas.microsoft.com/office/drawing/2014/main" id="{13FB5FFE-854E-455E-A9EE-936472B13923}"/>
+              </a:ext>
+            </a:extLst>
+          </p:cNvPr>
+          <p:cNvGraphicFramePr>
+            <a:graphicFrameLocks noGrp="1"/>
+          </p:cNvGraphicFramePr>
+          <p:nvPr>
+            <p:extLst>
+              <p:ext uri="{D42A27DB-BD31-4B8C-83A1-F6EECF244321}">
+                <p14:modId xmlns:p14="http://schemas.microsoft.com/office/powerpoint/2010/main" val="2075759432"/>
+              </p:ext>
+            </p:extLst>
+          </p:nvPr>
+        </p:nvGraphicFramePr>
+        <p:xfrm>
+          <a:off x="495846" y="3942476"/>
+          <a:ext cx="2096326" cy="410363"/>
+        </p:xfrm>
+        <a:graphic>
+          <a:graphicData uri="http://schemas.openxmlformats.org/drawingml/2006/table">
+            <a:tbl>
+              <a:tblPr>
+                <a:tableStyleId>{638B1855-1B75-4FBE-930C-398BA8C253C6}</a:tableStyleId>
+              </a:tblPr>
+              <a:tblGrid>
+                <a:gridCol w="2096326">
+                  <a:extLst>
+                    <a:ext uri="{9D8B030D-6E8A-4147-A177-3AD203B41FA5}">
+                      <a16:colId xmlns:a16="http://schemas.microsoft.com/office/drawing/2014/main" val="4240773277"/>
+                    </a:ext>
+                  </a:extLst>
+                </a:gridCol>
+              </a:tblGrid>
+              <a:tr h="410363">
+                <a:tc>
+                  <a:txBody>
+                    <a:bodyPr/>
+                    <a:lstStyle/>
+                    <a:p>
+                      <a:pPr algn="ctr"/>
+                      <a:r>
+                        <a:rPr lang="en-SG" u="sng" dirty="0"/>
+                        <a:t>wb0:</a:t>
+                      </a:r>
+                      <a:r>
+                        <a:rPr lang="en-SG" sz="1800" u="sng" dirty="0"/>
+                        <a:t>WorkoutBook</a:t>
+                      </a:r>
+                      <a:endParaRPr lang="en-SG" sz="1600" u="sng" dirty="0"/>
+                    </a:p>
+                  </a:txBody>
+                  <a:tcPr/>
+                </a:tc>
+                <a:extLst>
+                  <a:ext uri="{0D108BD9-81ED-4DB2-BD59-A6C34878D82A}">
+                    <a16:rowId xmlns:a16="http://schemas.microsoft.com/office/drawing/2014/main" val="2194462629"/>
+                  </a:ext>
+                </a:extLst>
+              </a:tr>
+            </a:tbl>
+          </a:graphicData>
+        </a:graphic>
+      </p:graphicFrame>
+      <p:sp>
+        <p:nvSpPr>
+          <p:cNvPr id="48" name="Rectangle 47">
+            <a:extLst>
+              <a:ext uri="{FF2B5EF4-FFF2-40B4-BE49-F238E27FC236}">
+                <a16:creationId xmlns:a16="http://schemas.microsoft.com/office/drawing/2014/main" id="{28D15C85-C0D2-4241-846E-5F6E79882A4B}"/>
+              </a:ext>
+            </a:extLst>
+          </p:cNvPr>
+          <p:cNvSpPr/>
+          <p:nvPr/>
+        </p:nvSpPr>
+        <p:spPr>
+          <a:xfrm>
+            <a:off x="387404" y="3842327"/>
+            <a:ext cx="11364686" cy="618187"/>
+          </a:xfrm>
+          <a:prstGeom prst="rect">
+            <a:avLst/>
+          </a:prstGeom>
+          <a:noFill/>
+          <a:ln>
+            <a:solidFill>
+              <a:schemeClr val="tx1"/>
+            </a:solidFill>
+          </a:ln>
+        </p:spPr>
+        <p:style>
+          <a:lnRef idx="2">
+            <a:schemeClr val="accent1">
+              <a:shade val="50000"/>
+            </a:schemeClr>
+          </a:lnRef>
+          <a:fillRef idx="1">
+            <a:schemeClr val="accent1"/>
+          </a:fillRef>
+          <a:effectRef idx="0">
+            <a:schemeClr val="accent1"/>
+          </a:effectRef>
+          <a:fontRef idx="minor">
+            <a:schemeClr val="lt1"/>
+          </a:fontRef>
+        </p:style>
+        <p:txBody>
+          <a:bodyPr rtlCol="0" anchor="ctr"/>
+          <a:lstStyle/>
+          <a:p>
+            <a:pPr algn="ctr"/>
+            <a:endParaRPr lang="en-US"/>
+          </a:p>
+        </p:txBody>
+      </p:sp>
+      <p:graphicFrame>
+        <p:nvGraphicFramePr>
+          <p:cNvPr id="49" name="Table 48">
+            <a:extLst>
+              <a:ext uri="{FF2B5EF4-FFF2-40B4-BE49-F238E27FC236}">
+                <a16:creationId xmlns:a16="http://schemas.microsoft.com/office/drawing/2014/main" id="{FEC3B2FC-F2F7-4C29-969B-4776C9213A2F}"/>
+              </a:ext>
+            </a:extLst>
+          </p:cNvPr>
+          <p:cNvGraphicFramePr>
+            <a:graphicFrameLocks noGrp="1"/>
+          </p:cNvGraphicFramePr>
+          <p:nvPr>
+            <p:extLst>
+              <p:ext uri="{D42A27DB-BD31-4B8C-83A1-F6EECF244321}">
+                <p14:modId xmlns:p14="http://schemas.microsoft.com/office/powerpoint/2010/main" val="473528163"/>
+              </p:ext>
+            </p:extLst>
+          </p:nvPr>
+        </p:nvGraphicFramePr>
+        <p:xfrm>
+          <a:off x="2700614" y="5275278"/>
+          <a:ext cx="2096326" cy="410363"/>
+        </p:xfrm>
+        <a:graphic>
+          <a:graphicData uri="http://schemas.openxmlformats.org/drawingml/2006/table">
+            <a:tbl>
+              <a:tblPr>
+                <a:tableStyleId>{638B1855-1B75-4FBE-930C-398BA8C253C6}</a:tableStyleId>
+              </a:tblPr>
+              <a:tblGrid>
+                <a:gridCol w="2096326">
+                  <a:extLst>
+                    <a:ext uri="{9D8B030D-6E8A-4147-A177-3AD203B41FA5}">
+                      <a16:colId xmlns:a16="http://schemas.microsoft.com/office/drawing/2014/main" val="4240773277"/>
+                    </a:ext>
+                  </a:extLst>
+                </a:gridCol>
+              </a:tblGrid>
+              <a:tr h="410363">
+                <a:tc>
+                  <a:txBody>
+                    <a:bodyPr/>
+                    <a:lstStyle/>
+                    <a:p>
+                      <a:pPr algn="ctr"/>
+                      <a:r>
+                        <a:rPr lang="en-SG" u="sng" dirty="0"/>
+                        <a:t>tdl1:</a:t>
+                      </a:r>
+                      <a:r>
+                        <a:rPr lang="en-SG" sz="1800" u="sng" dirty="0"/>
+                        <a:t>TrackedDataList</a:t>
+                      </a:r>
+                      <a:endParaRPr lang="en-SG" sz="1600" u="sng" dirty="0"/>
+                    </a:p>
+                  </a:txBody>
+                  <a:tcPr/>
+                </a:tc>
+                <a:extLst>
+                  <a:ext uri="{0D108BD9-81ED-4DB2-BD59-A6C34878D82A}">
+                    <a16:rowId xmlns:a16="http://schemas.microsoft.com/office/drawing/2014/main" val="2194462629"/>
+                  </a:ext>
+                </a:extLst>
+              </a:tr>
+            </a:tbl>
+          </a:graphicData>
+        </a:graphic>
+      </p:graphicFrame>
+      <p:graphicFrame>
+        <p:nvGraphicFramePr>
+          <p:cNvPr id="51" name="Table 50">
+            <a:extLst>
+              <a:ext uri="{FF2B5EF4-FFF2-40B4-BE49-F238E27FC236}">
+                <a16:creationId xmlns:a16="http://schemas.microsoft.com/office/drawing/2014/main" id="{4E561A5A-A076-459E-BAFA-57AA15F2FD12}"/>
+              </a:ext>
+            </a:extLst>
+          </p:cNvPr>
+          <p:cNvGraphicFramePr>
+            <a:graphicFrameLocks noGrp="1"/>
+          </p:cNvGraphicFramePr>
+          <p:nvPr>
+            <p:extLst>
+              <p:ext uri="{D42A27DB-BD31-4B8C-83A1-F6EECF244321}">
+                <p14:modId xmlns:p14="http://schemas.microsoft.com/office/powerpoint/2010/main" val="1357590970"/>
+              </p:ext>
+            </p:extLst>
+          </p:nvPr>
+        </p:nvGraphicFramePr>
+        <p:xfrm>
+          <a:off x="2700614" y="4612648"/>
+          <a:ext cx="2096326" cy="410363"/>
+        </p:xfrm>
+        <a:graphic>
+          <a:graphicData uri="http://schemas.openxmlformats.org/drawingml/2006/table">
+            <a:tbl>
+              <a:tblPr>
+                <a:tableStyleId>{638B1855-1B75-4FBE-930C-398BA8C253C6}</a:tableStyleId>
+              </a:tblPr>
+              <a:tblGrid>
+                <a:gridCol w="2096326">
+                  <a:extLst>
+                    <a:ext uri="{9D8B030D-6E8A-4147-A177-3AD203B41FA5}">
+                      <a16:colId xmlns:a16="http://schemas.microsoft.com/office/drawing/2014/main" val="4240773277"/>
+                    </a:ext>
+                  </a:extLst>
+                </a:gridCol>
+              </a:tblGrid>
+              <a:tr h="410363">
+                <a:tc>
+                  <a:txBody>
+                    <a:bodyPr/>
+                    <a:lstStyle/>
+                    <a:p>
+                      <a:pPr algn="ctr"/>
+                      <a:r>
+                        <a:rPr lang="en-SG" u="sng" dirty="0"/>
+                        <a:t>td1:</a:t>
+                      </a:r>
+                      <a:r>
+                        <a:rPr lang="en-SG" sz="1800" u="sng" dirty="0"/>
+                        <a:t>TrackedData</a:t>
+                      </a:r>
+                      <a:endParaRPr lang="en-SG" sz="1600" u="sng" dirty="0"/>
+                    </a:p>
+                  </a:txBody>
+                  <a:tcPr/>
+                </a:tc>
+                <a:extLst>
+                  <a:ext uri="{0D108BD9-81ED-4DB2-BD59-A6C34878D82A}">
+                    <a16:rowId xmlns:a16="http://schemas.microsoft.com/office/drawing/2014/main" val="2194462629"/>
+                  </a:ext>
+                </a:extLst>
+              </a:tr>
+            </a:tbl>
+          </a:graphicData>
+        </a:graphic>
+      </p:graphicFrame>
+      <p:graphicFrame>
+        <p:nvGraphicFramePr>
+          <p:cNvPr id="52" name="Table 51">
+            <a:extLst>
+              <a:ext uri="{FF2B5EF4-FFF2-40B4-BE49-F238E27FC236}">
+                <a16:creationId xmlns:a16="http://schemas.microsoft.com/office/drawing/2014/main" id="{30904F4F-5498-4857-B205-D33661846906}"/>
+              </a:ext>
+            </a:extLst>
+          </p:cNvPr>
+          <p:cNvGraphicFramePr>
+            <a:graphicFrameLocks noGrp="1"/>
+          </p:cNvGraphicFramePr>
+          <p:nvPr>
+            <p:extLst>
+              <p:ext uri="{D42A27DB-BD31-4B8C-83A1-F6EECF244321}">
+                <p14:modId xmlns:p14="http://schemas.microsoft.com/office/powerpoint/2010/main" val="2222106298"/>
+              </p:ext>
+            </p:extLst>
+          </p:nvPr>
+        </p:nvGraphicFramePr>
+        <p:xfrm>
+          <a:off x="2700614" y="3942476"/>
+          <a:ext cx="2096326" cy="410363"/>
+        </p:xfrm>
+        <a:graphic>
+          <a:graphicData uri="http://schemas.openxmlformats.org/drawingml/2006/table">
+            <a:tbl>
+              <a:tblPr>
+                <a:tableStyleId>{638B1855-1B75-4FBE-930C-398BA8C253C6}</a:tableStyleId>
+              </a:tblPr>
+              <a:tblGrid>
+                <a:gridCol w="2096326">
+                  <a:extLst>
+                    <a:ext uri="{9D8B030D-6E8A-4147-A177-3AD203B41FA5}">
+                      <a16:colId xmlns:a16="http://schemas.microsoft.com/office/drawing/2014/main" val="4240773277"/>
+                    </a:ext>
+                  </a:extLst>
+                </a:gridCol>
+              </a:tblGrid>
+              <a:tr h="410363">
+                <a:tc>
+                  <a:txBody>
+                    <a:bodyPr/>
+                    <a:lstStyle/>
+                    <a:p>
+                      <a:pPr algn="ctr"/>
+                      <a:r>
+                        <a:rPr lang="en-SG" u="sng" dirty="0"/>
+                        <a:t>wb1:</a:t>
+                      </a:r>
+                      <a:r>
+                        <a:rPr lang="en-SG" sz="1800" u="sng" dirty="0"/>
+                        <a:t>WorkoutBook</a:t>
+                      </a:r>
+                      <a:endParaRPr lang="en-SG" sz="1600" u="sng" dirty="0"/>
+                    </a:p>
+                  </a:txBody>
+                  <a:tcPr/>
+                </a:tc>
+                <a:extLst>
+                  <a:ext uri="{0D108BD9-81ED-4DB2-BD59-A6C34878D82A}">
+                    <a16:rowId xmlns:a16="http://schemas.microsoft.com/office/drawing/2014/main" val="2194462629"/>
+                  </a:ext>
+                </a:extLst>
+              </a:tr>
+            </a:tbl>
+          </a:graphicData>
+        </a:graphic>
+      </p:graphicFrame>
+      <p:graphicFrame>
+        <p:nvGraphicFramePr>
+          <p:cNvPr id="53" name="Table 52">
+            <a:extLst>
+              <a:ext uri="{FF2B5EF4-FFF2-40B4-BE49-F238E27FC236}">
+                <a16:creationId xmlns:a16="http://schemas.microsoft.com/office/drawing/2014/main" id="{71CB576A-B2D5-4C62-AE65-44E425D1B64B}"/>
+              </a:ext>
+            </a:extLst>
+          </p:cNvPr>
+          <p:cNvGraphicFramePr>
+            <a:graphicFrameLocks noGrp="1"/>
+          </p:cNvGraphicFramePr>
+          <p:nvPr>
+            <p:extLst>
+              <p:ext uri="{D42A27DB-BD31-4B8C-83A1-F6EECF244321}">
+                <p14:modId xmlns:p14="http://schemas.microsoft.com/office/powerpoint/2010/main" val="262197714"/>
+              </p:ext>
+            </p:extLst>
+          </p:nvPr>
+        </p:nvGraphicFramePr>
+        <p:xfrm>
+          <a:off x="4894883" y="5276757"/>
+          <a:ext cx="2096326" cy="410363"/>
+        </p:xfrm>
+        <a:graphic>
+          <a:graphicData uri="http://schemas.openxmlformats.org/drawingml/2006/table">
+            <a:tbl>
+              <a:tblPr>
+                <a:tableStyleId>{638B1855-1B75-4FBE-930C-398BA8C253C6}</a:tableStyleId>
+              </a:tblPr>
+              <a:tblGrid>
+                <a:gridCol w="2096326">
+                  <a:extLst>
+                    <a:ext uri="{9D8B030D-6E8A-4147-A177-3AD203B41FA5}">
+                      <a16:colId xmlns:a16="http://schemas.microsoft.com/office/drawing/2014/main" val="4240773277"/>
+                    </a:ext>
+                  </a:extLst>
+                </a:gridCol>
+              </a:tblGrid>
+              <a:tr h="410363">
+                <a:tc>
+                  <a:txBody>
+                    <a:bodyPr/>
+                    <a:lstStyle/>
+                    <a:p>
+                      <a:pPr algn="ctr"/>
+                      <a:r>
+                        <a:rPr lang="en-SG" u="sng" dirty="0"/>
+                        <a:t>tdl3:</a:t>
+                      </a:r>
+                      <a:r>
+                        <a:rPr lang="en-SG" sz="1800" u="sng" dirty="0"/>
+                        <a:t>TrackedDataList</a:t>
+                      </a:r>
+                      <a:endParaRPr lang="en-SG" sz="1600" u="sng" dirty="0"/>
+                    </a:p>
+                  </a:txBody>
+                  <a:tcPr/>
+                </a:tc>
+                <a:extLst>
+                  <a:ext uri="{0D108BD9-81ED-4DB2-BD59-A6C34878D82A}">
+                    <a16:rowId xmlns:a16="http://schemas.microsoft.com/office/drawing/2014/main" val="2194462629"/>
+                  </a:ext>
+                </a:extLst>
+              </a:tr>
+            </a:tbl>
+          </a:graphicData>
+        </a:graphic>
+      </p:graphicFrame>
+      <p:graphicFrame>
+        <p:nvGraphicFramePr>
+          <p:cNvPr id="54" name="Table 53">
+            <a:extLst>
+              <a:ext uri="{FF2B5EF4-FFF2-40B4-BE49-F238E27FC236}">
+                <a16:creationId xmlns:a16="http://schemas.microsoft.com/office/drawing/2014/main" id="{50B11ED1-A091-4422-A882-2C6362D1B585}"/>
+              </a:ext>
+            </a:extLst>
+          </p:cNvPr>
+          <p:cNvGraphicFramePr>
+            <a:graphicFrameLocks noGrp="1"/>
+          </p:cNvGraphicFramePr>
+          <p:nvPr>
+            <p:extLst>
+              <p:ext uri="{D42A27DB-BD31-4B8C-83A1-F6EECF244321}">
+                <p14:modId xmlns:p14="http://schemas.microsoft.com/office/powerpoint/2010/main" val="2648713050"/>
+              </p:ext>
+            </p:extLst>
+          </p:nvPr>
+        </p:nvGraphicFramePr>
+        <p:xfrm>
+          <a:off x="4894883" y="4614127"/>
+          <a:ext cx="2096326" cy="410363"/>
+        </p:xfrm>
+        <a:graphic>
+          <a:graphicData uri="http://schemas.openxmlformats.org/drawingml/2006/table">
+            <a:tbl>
+              <a:tblPr>
+                <a:tableStyleId>{638B1855-1B75-4FBE-930C-398BA8C253C6}</a:tableStyleId>
+              </a:tblPr>
+              <a:tblGrid>
+                <a:gridCol w="2096326">
+                  <a:extLst>
+                    <a:ext uri="{9D8B030D-6E8A-4147-A177-3AD203B41FA5}">
+                      <a16:colId xmlns:a16="http://schemas.microsoft.com/office/drawing/2014/main" val="4240773277"/>
+                    </a:ext>
+                  </a:extLst>
+                </a:gridCol>
+              </a:tblGrid>
+              <a:tr h="410363">
+                <a:tc>
+                  <a:txBody>
+                    <a:bodyPr/>
+                    <a:lstStyle/>
+                    <a:p>
+                      <a:pPr algn="ctr"/>
+                      <a:r>
+                        <a:rPr lang="en-SG" u="sng" dirty="0"/>
+                        <a:t>td3:</a:t>
+                      </a:r>
+                      <a:r>
+                        <a:rPr lang="en-SG" sz="1800" u="sng" dirty="0"/>
+                        <a:t>TrackedData</a:t>
+                      </a:r>
+                      <a:endParaRPr lang="en-SG" sz="1600" u="sng" dirty="0"/>
+                    </a:p>
+                  </a:txBody>
+                  <a:tcPr/>
+                </a:tc>
+                <a:extLst>
+                  <a:ext uri="{0D108BD9-81ED-4DB2-BD59-A6C34878D82A}">
+                    <a16:rowId xmlns:a16="http://schemas.microsoft.com/office/drawing/2014/main" val="2194462629"/>
+                  </a:ext>
+                </a:extLst>
+              </a:tr>
+            </a:tbl>
+          </a:graphicData>
+        </a:graphic>
+      </p:graphicFrame>
+      <p:graphicFrame>
+        <p:nvGraphicFramePr>
+          <p:cNvPr id="55" name="Table 54">
+            <a:extLst>
+              <a:ext uri="{FF2B5EF4-FFF2-40B4-BE49-F238E27FC236}">
+                <a16:creationId xmlns:a16="http://schemas.microsoft.com/office/drawing/2014/main" id="{3B045318-8FE2-4E14-91C2-2FD91CEB978F}"/>
+              </a:ext>
+            </a:extLst>
+          </p:cNvPr>
+          <p:cNvGraphicFramePr>
+            <a:graphicFrameLocks noGrp="1"/>
+          </p:cNvGraphicFramePr>
+          <p:nvPr>
+            <p:extLst>
+              <p:ext uri="{D42A27DB-BD31-4B8C-83A1-F6EECF244321}">
+                <p14:modId xmlns:p14="http://schemas.microsoft.com/office/powerpoint/2010/main" val="3208233927"/>
+              </p:ext>
+            </p:extLst>
+          </p:nvPr>
+        </p:nvGraphicFramePr>
+        <p:xfrm>
+          <a:off x="4894883" y="3943955"/>
+          <a:ext cx="2096326" cy="410363"/>
+        </p:xfrm>
+        <a:graphic>
+          <a:graphicData uri="http://schemas.openxmlformats.org/drawingml/2006/table">
+            <a:tbl>
+              <a:tblPr>
+                <a:tableStyleId>{638B1855-1B75-4FBE-930C-398BA8C253C6}</a:tableStyleId>
+              </a:tblPr>
+              <a:tblGrid>
+                <a:gridCol w="2096326">
+                  <a:extLst>
+                    <a:ext uri="{9D8B030D-6E8A-4147-A177-3AD203B41FA5}">
+                      <a16:colId xmlns:a16="http://schemas.microsoft.com/office/drawing/2014/main" val="4240773277"/>
+                    </a:ext>
+                  </a:extLst>
+                </a:gridCol>
+              </a:tblGrid>
+              <a:tr h="410363">
+                <a:tc>
+                  <a:txBody>
+                    <a:bodyPr/>
+                    <a:lstStyle/>
+                    <a:p>
+                      <a:pPr algn="ctr"/>
+                      <a:r>
+                        <a:rPr lang="en-SG" u="sng" dirty="0"/>
+                        <a:t>wb3:</a:t>
+                      </a:r>
+                      <a:r>
+                        <a:rPr lang="en-SG" sz="1800" u="sng" dirty="0"/>
+                        <a:t>WorkoutBook</a:t>
+                      </a:r>
+                      <a:endParaRPr lang="en-SG" sz="1600" u="sng" dirty="0"/>
+                    </a:p>
+                  </a:txBody>
+                  <a:tcPr/>
+                </a:tc>
+                <a:extLst>
+                  <a:ext uri="{0D108BD9-81ED-4DB2-BD59-A6C34878D82A}">
+                    <a16:rowId xmlns:a16="http://schemas.microsoft.com/office/drawing/2014/main" val="2194462629"/>
+                  </a:ext>
+                </a:extLst>
+              </a:tr>
+            </a:tbl>
+          </a:graphicData>
+        </a:graphic>
+      </p:graphicFrame>
+      <p:sp>
+        <p:nvSpPr>
+          <p:cNvPr id="56" name="Rectangle 55">
+            <a:extLst>
+              <a:ext uri="{FF2B5EF4-FFF2-40B4-BE49-F238E27FC236}">
+                <a16:creationId xmlns:a16="http://schemas.microsoft.com/office/drawing/2014/main" id="{347D9101-6808-4253-BD67-F9EDEF2CE52E}"/>
+              </a:ext>
+            </a:extLst>
+          </p:cNvPr>
+          <p:cNvSpPr/>
+          <p:nvPr/>
+        </p:nvSpPr>
+        <p:spPr>
+          <a:xfrm>
+            <a:off x="387404" y="5181290"/>
+            <a:ext cx="11364686" cy="618187"/>
+          </a:xfrm>
+          <a:prstGeom prst="rect">
+            <a:avLst/>
+          </a:prstGeom>
+          <a:noFill/>
+          <a:ln>
+            <a:solidFill>
+              <a:schemeClr val="tx1"/>
+            </a:solidFill>
+          </a:ln>
+        </p:spPr>
+        <p:style>
+          <a:lnRef idx="2">
+            <a:schemeClr val="accent1">
+              <a:shade val="50000"/>
+            </a:schemeClr>
+          </a:lnRef>
+          <a:fillRef idx="1">
+            <a:schemeClr val="accent1"/>
+          </a:fillRef>
+          <a:effectRef idx="0">
+            <a:schemeClr val="accent1"/>
+          </a:effectRef>
+          <a:fontRef idx="minor">
+            <a:schemeClr val="lt1"/>
+          </a:fontRef>
+        </p:style>
+        <p:txBody>
+          <a:bodyPr rtlCol="0" anchor="ctr"/>
+          <a:lstStyle/>
+          <a:p>
+            <a:pPr algn="ctr"/>
+            <a:endParaRPr lang="en-US"/>
+          </a:p>
+        </p:txBody>
+      </p:sp>
     </p:spTree>
     <p:extLst>
       <p:ext uri="{BB962C8B-B14F-4D97-AF65-F5344CB8AC3E}">
